--- a/3 am/2 العروض التقديمية/1 تصميم عرض تقديمي/cours 10/عرض الدرس.pptx
+++ b/3 am/2 العروض التقديمية/1 تصميم عرض تقديمي/cours 10/عرض الدرس.pptx
@@ -253,7 +253,7 @@
           <a:p>
             <a:fld id="{33E46DBA-FA3B-4C5F-B700-4671668DAB72}" type="datetimeFigureOut">
               <a:rPr lang="fr-FR" smtClean="0"/>
-              <a:t>15/02/2025</a:t>
+              <a:t>15/03/2025</a:t>
             </a:fld>
             <a:endParaRPr lang="fr-FR"/>
           </a:p>
@@ -423,7 +423,7 @@
           <a:p>
             <a:fld id="{33E46DBA-FA3B-4C5F-B700-4671668DAB72}" type="datetimeFigureOut">
               <a:rPr lang="fr-FR" smtClean="0"/>
-              <a:t>15/02/2025</a:t>
+              <a:t>15/03/2025</a:t>
             </a:fld>
             <a:endParaRPr lang="fr-FR"/>
           </a:p>
@@ -603,7 +603,7 @@
           <a:p>
             <a:fld id="{33E46DBA-FA3B-4C5F-B700-4671668DAB72}" type="datetimeFigureOut">
               <a:rPr lang="fr-FR" smtClean="0"/>
-              <a:t>15/02/2025</a:t>
+              <a:t>15/03/2025</a:t>
             </a:fld>
             <a:endParaRPr lang="fr-FR"/>
           </a:p>
@@ -773,7 +773,7 @@
           <a:p>
             <a:fld id="{33E46DBA-FA3B-4C5F-B700-4671668DAB72}" type="datetimeFigureOut">
               <a:rPr lang="fr-FR" smtClean="0"/>
-              <a:t>15/02/2025</a:t>
+              <a:t>15/03/2025</a:t>
             </a:fld>
             <a:endParaRPr lang="fr-FR"/>
           </a:p>
@@ -1019,7 +1019,7 @@
           <a:p>
             <a:fld id="{33E46DBA-FA3B-4C5F-B700-4671668DAB72}" type="datetimeFigureOut">
               <a:rPr lang="fr-FR" smtClean="0"/>
-              <a:t>15/02/2025</a:t>
+              <a:t>15/03/2025</a:t>
             </a:fld>
             <a:endParaRPr lang="fr-FR"/>
           </a:p>
@@ -1251,7 +1251,7 @@
           <a:p>
             <a:fld id="{33E46DBA-FA3B-4C5F-B700-4671668DAB72}" type="datetimeFigureOut">
               <a:rPr lang="fr-FR" smtClean="0"/>
-              <a:t>15/02/2025</a:t>
+              <a:t>15/03/2025</a:t>
             </a:fld>
             <a:endParaRPr lang="fr-FR"/>
           </a:p>
@@ -1618,7 +1618,7 @@
           <a:p>
             <a:fld id="{33E46DBA-FA3B-4C5F-B700-4671668DAB72}" type="datetimeFigureOut">
               <a:rPr lang="fr-FR" smtClean="0"/>
-              <a:t>15/02/2025</a:t>
+              <a:t>15/03/2025</a:t>
             </a:fld>
             <a:endParaRPr lang="fr-FR"/>
           </a:p>
@@ -1736,7 +1736,7 @@
           <a:p>
             <a:fld id="{33E46DBA-FA3B-4C5F-B700-4671668DAB72}" type="datetimeFigureOut">
               <a:rPr lang="fr-FR" smtClean="0"/>
-              <a:t>15/02/2025</a:t>
+              <a:t>15/03/2025</a:t>
             </a:fld>
             <a:endParaRPr lang="fr-FR"/>
           </a:p>
@@ -1831,7 +1831,7 @@
           <a:p>
             <a:fld id="{33E46DBA-FA3B-4C5F-B700-4671668DAB72}" type="datetimeFigureOut">
               <a:rPr lang="fr-FR" smtClean="0"/>
-              <a:t>15/02/2025</a:t>
+              <a:t>15/03/2025</a:t>
             </a:fld>
             <a:endParaRPr lang="fr-FR"/>
           </a:p>
@@ -2108,7 +2108,7 @@
           <a:p>
             <a:fld id="{33E46DBA-FA3B-4C5F-B700-4671668DAB72}" type="datetimeFigureOut">
               <a:rPr lang="fr-FR" smtClean="0"/>
-              <a:t>15/02/2025</a:t>
+              <a:t>15/03/2025</a:t>
             </a:fld>
             <a:endParaRPr lang="fr-FR"/>
           </a:p>
@@ -2361,7 +2361,7 @@
           <a:p>
             <a:fld id="{33E46DBA-FA3B-4C5F-B700-4671668DAB72}" type="datetimeFigureOut">
               <a:rPr lang="fr-FR" smtClean="0"/>
-              <a:t>15/02/2025</a:t>
+              <a:t>15/03/2025</a:t>
             </a:fld>
             <a:endParaRPr lang="fr-FR"/>
           </a:p>
@@ -2574,7 +2574,7 @@
           <a:p>
             <a:fld id="{33E46DBA-FA3B-4C5F-B700-4671668DAB72}" type="datetimeFigureOut">
               <a:rPr lang="fr-FR" smtClean="0"/>
-              <a:t>15/02/2025</a:t>
+              <a:t>15/03/2025</a:t>
             </a:fld>
             <a:endParaRPr lang="fr-FR"/>
           </a:p>
@@ -3468,7 +3468,6 @@
               <a:rPr lang="fr-FR" sz="3600" dirty="0"/>
               <a:t>)</a:t>
             </a:r>
-            <a:endParaRPr lang="fr-FR" sz="3600" dirty="0"/>
           </a:p>
         </p:txBody>
       </p:sp>
@@ -3601,7 +3600,7 @@
               </a:rPr>
               <a:t>الحياة</a:t>
             </a:r>
-            <a:endParaRPr lang="fr-FR" sz="9600" dirty="0">
+            <a:endParaRPr lang="fr-FR" sz="9600" b="1" dirty="0">
               <a:ln w="19050">
                 <a:solidFill>
                   <a:srgbClr val="FFFF00"/>
@@ -4906,18 +4905,7 @@
                 <a:ea typeface="Calibri" panose="020F0502020204030204" pitchFamily="34" charset="0"/>
                 <a:cs typeface="Times New Roman" panose="02020603050405020304" pitchFamily="18" charset="0"/>
               </a:rPr>
-              <a:t>نشاط 02 </a:t>
-            </a:r>
-            <a:r>
-              <a:rPr lang="ar-DZ" sz="3600" b="1" u="sng" dirty="0" smtClean="0">
-                <a:solidFill>
-                  <a:srgbClr val="FF0000"/>
-                </a:solidFill>
-                <a:latin typeface="Calibri" panose="020F0502020204030204" pitchFamily="34" charset="0"/>
-                <a:ea typeface="Calibri" panose="020F0502020204030204" pitchFamily="34" charset="0"/>
-                <a:cs typeface="Times New Roman" panose="02020603050405020304" pitchFamily="18" charset="0"/>
-              </a:rPr>
-              <a:t>:</a:t>
+              <a:t>نشاط 02 :</a:t>
             </a:r>
             <a:endParaRPr lang="fr-FR" sz="2000" dirty="0">
               <a:effectLst/>
@@ -5834,10 +5822,16 @@
               <a:t>التعليمة </a:t>
             </a:r>
             <a:r>
+              <a:rPr lang="fr-FR" sz="3200" smtClean="0">
+                <a:cs typeface="+mj-cs"/>
+              </a:rPr>
+              <a:t>zone de </a:t>
+            </a:r>
+            <a:r>
               <a:rPr lang="fr-FR" sz="3200" dirty="0">
                 <a:cs typeface="+mj-cs"/>
               </a:rPr>
-              <a:t>zone texte </a:t>
+              <a:t>texte </a:t>
             </a:r>
           </a:p>
           <a:p>
